--- a/Project Presentation.pptx
+++ b/Project Presentation.pptx
@@ -12,21 +12,23 @@
     <p:sldId id="257" r:id="rId7"/>
     <p:sldId id="258" r:id="rId8"/>
     <p:sldId id="259" r:id="rId9"/>
+    <p:sldId id="260" r:id="rId10"/>
+    <p:sldId id="261" r:id="rId11"/>
   </p:sldIdLst>
   <p:sldSz cy="5143500" cx="9144000"/>
   <p:notesSz cx="6858000" cy="9144000"/>
   <p:embeddedFontLst>
     <p:embeddedFont>
       <p:font typeface="Nunito"/>
-      <p:regular r:id="rId10"/>
-      <p:bold r:id="rId11"/>
-      <p:italic r:id="rId12"/>
-      <p:boldItalic r:id="rId13"/>
+      <p:regular r:id="rId12"/>
+      <p:bold r:id="rId13"/>
+      <p:italic r:id="rId14"/>
+      <p:boldItalic r:id="rId15"/>
     </p:embeddedFont>
     <p:embeddedFont>
       <p:font typeface="Maven Pro"/>
-      <p:regular r:id="rId14"/>
-      <p:bold r:id="rId15"/>
+      <p:regular r:id="rId16"/>
+      <p:bold r:id="rId17"/>
     </p:embeddedFont>
   </p:embeddedFontLst>
   <p:defaultTextStyle>
@@ -1056,6 +1058,204 @@
       <p:sp>
         <p:nvSpPr>
           <p:cNvPr id="295" name="Google Shape;295;g12f6fa2448b_1_14:notes"/>
+          <p:cNvSpPr txBox="1"/>
+          <p:nvPr>
+            <p:ph idx="1" type="body"/>
+          </p:nvPr>
+        </p:nvSpPr>
+        <p:spPr>
+          <a:xfrm>
+            <a:off x="685800" y="4343400"/>
+            <a:ext cx="5486400" cy="4114800"/>
+          </a:xfrm>
+          <a:prstGeom prst="rect">
+            <a:avLst/>
+          </a:prstGeom>
+        </p:spPr>
+        <p:txBody>
+          <a:bodyPr anchorCtr="0" anchor="t" bIns="91425" lIns="91425" spcFirstLastPara="1" rIns="91425" wrap="square" tIns="91425">
+            <a:noAutofit/>
+          </a:bodyPr>
+          <a:lstStyle/>
+          <a:p>
+            <a:pPr indent="0" lvl="0" marL="0" rtl="0" algn="l">
+              <a:spcBef>
+                <a:spcPts val="0"/>
+              </a:spcBef>
+              <a:spcAft>
+                <a:spcPts val="0"/>
+              </a:spcAft>
+              <a:buNone/>
+            </a:pPr>
+            <a:r>
+              <a:t/>
+            </a:r>
+            <a:endParaRPr/>
+          </a:p>
+        </p:txBody>
+      </p:sp>
+    </p:spTree>
+  </p:cSld>
+  <p:clrMapOvr>
+    <a:masterClrMapping/>
+  </p:clrMapOvr>
+</p:notes>
+</file>
+
+<file path=ppt/notesSlides/notesSlide5.xml><?xml version="1.0" encoding="utf-8"?>
+<p:notes xmlns:a="http://schemas.openxmlformats.org/drawingml/2006/main" xmlns:r="http://schemas.openxmlformats.org/officeDocument/2006/relationships" xmlns:mc="http://schemas.openxmlformats.org/markup-compatibility/2006" xmlns:mv="urn:schemas-microsoft-com:mac:vml" xmlns:p="http://schemas.openxmlformats.org/presentationml/2006/main" xmlns:c="http://schemas.openxmlformats.org/drawingml/2006/chart" xmlns:dgm="http://schemas.openxmlformats.org/drawingml/2006/diagram" xmlns:o="urn:schemas-microsoft-com:office:office" xmlns:v="urn:schemas-microsoft-com:vml" xmlns:pvml="urn:schemas-microsoft-com:office:powerpoint" xmlns:com="http://schemas.openxmlformats.org/drawingml/2006/compatibility" xmlns:p14="http://schemas.microsoft.com/office/powerpoint/2010/main" xmlns:p15="http://schemas.microsoft.com/office/powerpoint/2012/main" xmlns:ahyp="http://schemas.microsoft.com/office/drawing/2018/hyperlinkcolor" showMasterPhAnim="0" showMasterSp="0">
+  <p:cSld>
+    <p:spTree>
+      <p:nvGrpSpPr>
+        <p:cNvPr id="300" name="Shape 300"/>
+        <p:cNvGrpSpPr/>
+        <p:nvPr/>
+      </p:nvGrpSpPr>
+      <p:grpSpPr>
+        <a:xfrm>
+          <a:off x="0" y="0"/>
+          <a:ext cx="0" cy="0"/>
+          <a:chOff x="0" y="0"/>
+          <a:chExt cx="0" cy="0"/>
+        </a:xfrm>
+      </p:grpSpPr>
+      <p:sp>
+        <p:nvSpPr>
+          <p:cNvPr id="301" name="Google Shape;301;g12f6fa2448b_1_21:notes"/>
+          <p:cNvSpPr/>
+          <p:nvPr>
+            <p:ph idx="2" type="sldImg"/>
+          </p:nvPr>
+        </p:nvSpPr>
+        <p:spPr>
+          <a:xfrm>
+            <a:off x="381300" y="685800"/>
+            <a:ext cx="6096000" cy="3429000"/>
+          </a:xfrm>
+          <a:custGeom>
+            <a:rect b="b" l="l" r="r" t="t"/>
+            <a:pathLst>
+              <a:path extrusionOk="0" h="120000" w="120000">
+                <a:moveTo>
+                  <a:pt x="0" y="0"/>
+                </a:moveTo>
+                <a:lnTo>
+                  <a:pt x="120000" y="0"/>
+                </a:lnTo>
+                <a:lnTo>
+                  <a:pt x="120000" y="120000"/>
+                </a:lnTo>
+                <a:lnTo>
+                  <a:pt x="0" y="120000"/>
+                </a:lnTo>
+                <a:close/>
+              </a:path>
+            </a:pathLst>
+          </a:custGeom>
+        </p:spPr>
+      </p:sp>
+      <p:sp>
+        <p:nvSpPr>
+          <p:cNvPr id="302" name="Google Shape;302;g12f6fa2448b_1_21:notes"/>
+          <p:cNvSpPr txBox="1"/>
+          <p:nvPr>
+            <p:ph idx="1" type="body"/>
+          </p:nvPr>
+        </p:nvSpPr>
+        <p:spPr>
+          <a:xfrm>
+            <a:off x="685800" y="4343400"/>
+            <a:ext cx="5486400" cy="4114800"/>
+          </a:xfrm>
+          <a:prstGeom prst="rect">
+            <a:avLst/>
+          </a:prstGeom>
+        </p:spPr>
+        <p:txBody>
+          <a:bodyPr anchorCtr="0" anchor="t" bIns="91425" lIns="91425" spcFirstLastPara="1" rIns="91425" wrap="square" tIns="91425">
+            <a:noAutofit/>
+          </a:bodyPr>
+          <a:lstStyle/>
+          <a:p>
+            <a:pPr indent="0" lvl="0" marL="0" rtl="0" algn="l">
+              <a:spcBef>
+                <a:spcPts val="0"/>
+              </a:spcBef>
+              <a:spcAft>
+                <a:spcPts val="0"/>
+              </a:spcAft>
+              <a:buNone/>
+            </a:pPr>
+            <a:r>
+              <a:t/>
+            </a:r>
+            <a:endParaRPr/>
+          </a:p>
+        </p:txBody>
+      </p:sp>
+    </p:spTree>
+  </p:cSld>
+  <p:clrMapOvr>
+    <a:masterClrMapping/>
+  </p:clrMapOvr>
+</p:notes>
+</file>
+
+<file path=ppt/notesSlides/notesSlide6.xml><?xml version="1.0" encoding="utf-8"?>
+<p:notes xmlns:a="http://schemas.openxmlformats.org/drawingml/2006/main" xmlns:r="http://schemas.openxmlformats.org/officeDocument/2006/relationships" xmlns:mc="http://schemas.openxmlformats.org/markup-compatibility/2006" xmlns:mv="urn:schemas-microsoft-com:mac:vml" xmlns:p="http://schemas.openxmlformats.org/presentationml/2006/main" xmlns:c="http://schemas.openxmlformats.org/drawingml/2006/chart" xmlns:dgm="http://schemas.openxmlformats.org/drawingml/2006/diagram" xmlns:o="urn:schemas-microsoft-com:office:office" xmlns:v="urn:schemas-microsoft-com:vml" xmlns:pvml="urn:schemas-microsoft-com:office:powerpoint" xmlns:com="http://schemas.openxmlformats.org/drawingml/2006/compatibility" xmlns:p14="http://schemas.microsoft.com/office/powerpoint/2010/main" xmlns:p15="http://schemas.microsoft.com/office/powerpoint/2012/main" xmlns:ahyp="http://schemas.microsoft.com/office/drawing/2018/hyperlinkcolor" showMasterPhAnim="0" showMasterSp="0">
+  <p:cSld>
+    <p:spTree>
+      <p:nvGrpSpPr>
+        <p:cNvPr id="307" name="Shape 307"/>
+        <p:cNvGrpSpPr/>
+        <p:nvPr/>
+      </p:nvGrpSpPr>
+      <p:grpSpPr>
+        <a:xfrm>
+          <a:off x="0" y="0"/>
+          <a:ext cx="0" cy="0"/>
+          <a:chOff x="0" y="0"/>
+          <a:chExt cx="0" cy="0"/>
+        </a:xfrm>
+      </p:grpSpPr>
+      <p:sp>
+        <p:nvSpPr>
+          <p:cNvPr id="308" name="Google Shape;308;g12f6fa2448b_1_27:notes"/>
+          <p:cNvSpPr/>
+          <p:nvPr>
+            <p:ph idx="2" type="sldImg"/>
+          </p:nvPr>
+        </p:nvSpPr>
+        <p:spPr>
+          <a:xfrm>
+            <a:off x="381300" y="685800"/>
+            <a:ext cx="6096000" cy="3429000"/>
+          </a:xfrm>
+          <a:custGeom>
+            <a:rect b="b" l="l" r="r" t="t"/>
+            <a:pathLst>
+              <a:path extrusionOk="0" h="120000" w="120000">
+                <a:moveTo>
+                  <a:pt x="0" y="0"/>
+                </a:moveTo>
+                <a:lnTo>
+                  <a:pt x="120000" y="0"/>
+                </a:lnTo>
+                <a:lnTo>
+                  <a:pt x="120000" y="120000"/>
+                </a:lnTo>
+                <a:lnTo>
+                  <a:pt x="0" y="120000"/>
+                </a:lnTo>
+                <a:close/>
+              </a:path>
+            </a:pathLst>
+          </a:custGeom>
+        </p:spPr>
+      </p:sp>
+      <p:sp>
+        <p:nvSpPr>
+          <p:cNvPr id="309" name="Google Shape;309;g12f6fa2448b_1_27:notes"/>
           <p:cNvSpPr txBox="1"/>
           <p:nvPr>
             <p:ph idx="1" type="body"/>
@@ -15674,10 +15874,10 @@
               <a:buNone/>
             </a:pPr>
             <a:r>
-              <a:rPr lang="en"/>
+              <a:rPr lang="en" sz="3700"/>
               <a:t>The Dataset</a:t>
             </a:r>
-            <a:endParaRPr/>
+            <a:endParaRPr sz="3700"/>
           </a:p>
         </p:txBody>
       </p:sp>
@@ -15884,9 +16084,10 @@
               <a:buNone/>
             </a:pPr>
             <a:r>
-              <a:t/>
+              <a:rPr lang="en" sz="3600"/>
+              <a:t>Project Goals</a:t>
             </a:r>
-            <a:endParaRPr/>
+            <a:endParaRPr sz="3600"/>
           </a:p>
         </p:txBody>
       </p:sp>
@@ -15900,8 +16101,171 @@
         </p:nvSpPr>
         <p:spPr>
           <a:xfrm>
-            <a:off x="1303800" y="1990050"/>
-            <a:ext cx="7030500" cy="2541600"/>
+            <a:off x="853425" y="1334950"/>
+            <a:ext cx="4075200" cy="2774700"/>
+          </a:xfrm>
+          <a:prstGeom prst="rect">
+            <a:avLst/>
+          </a:prstGeom>
+        </p:spPr>
+        <p:txBody>
+          <a:bodyPr anchorCtr="0" anchor="t" bIns="91425" lIns="91425" spcFirstLastPara="1" rIns="91425" wrap="square" tIns="91425">
+            <a:noAutofit/>
+          </a:bodyPr>
+          <a:lstStyle/>
+          <a:p>
+            <a:pPr indent="-355600" lvl="0" marL="457200" rtl="0" algn="l">
+              <a:spcBef>
+                <a:spcPts val="1100"/>
+              </a:spcBef>
+              <a:spcAft>
+                <a:spcPts val="0"/>
+              </a:spcAft>
+              <a:buClr>
+                <a:srgbClr val="000000"/>
+              </a:buClr>
+              <a:buSzPts val="2000"/>
+              <a:buFont typeface="Nunito"/>
+              <a:buAutoNum type="arabicPeriod"/>
+            </a:pPr>
+            <a:r>
+              <a:rPr lang="en" sz="2000">
+                <a:solidFill>
+                  <a:srgbClr val="000000"/>
+                </a:solidFill>
+                <a:highlight>
+                  <a:srgbClr val="FFFFFF"/>
+                </a:highlight>
+              </a:rPr>
+              <a:t>Analyze and find demographic trends from attrited customers.</a:t>
+            </a:r>
+            <a:endParaRPr sz="2000">
+              <a:solidFill>
+                <a:srgbClr val="000000"/>
+              </a:solidFill>
+              <a:highlight>
+                <a:srgbClr val="FFFFFF"/>
+              </a:highlight>
+            </a:endParaRPr>
+          </a:p>
+          <a:p>
+            <a:pPr indent="-355600" lvl="0" marL="457200" rtl="0" algn="l">
+              <a:spcBef>
+                <a:spcPts val="0"/>
+              </a:spcBef>
+              <a:spcAft>
+                <a:spcPts val="0"/>
+              </a:spcAft>
+              <a:buClr>
+                <a:srgbClr val="000000"/>
+              </a:buClr>
+              <a:buSzPts val="2000"/>
+              <a:buFont typeface="Nunito"/>
+              <a:buAutoNum type="arabicPeriod"/>
+            </a:pPr>
+            <a:r>
+              <a:rPr lang="en" sz="2000">
+                <a:solidFill>
+                  <a:srgbClr val="000000"/>
+                </a:solidFill>
+                <a:highlight>
+                  <a:srgbClr val="FFFFFF"/>
+                </a:highlight>
+              </a:rPr>
+              <a:t>Create a machine learning model that can predict who are likely to churn from existing customers.</a:t>
+            </a:r>
+            <a:endParaRPr sz="2000">
+              <a:solidFill>
+                <a:srgbClr val="000000"/>
+              </a:solidFill>
+              <a:highlight>
+                <a:srgbClr val="FFFFFF"/>
+              </a:highlight>
+            </a:endParaRPr>
+          </a:p>
+          <a:p>
+            <a:pPr indent="0" lvl="0" marL="0" rtl="0" algn="l">
+              <a:spcBef>
+                <a:spcPts val="500"/>
+              </a:spcBef>
+              <a:spcAft>
+                <a:spcPts val="1200"/>
+              </a:spcAft>
+              <a:buSzPts val="935"/>
+              <a:buNone/>
+            </a:pPr>
+            <a:r>
+              <a:t/>
+            </a:r>
+            <a:endParaRPr sz="2000"/>
+          </a:p>
+        </p:txBody>
+      </p:sp>
+      <p:pic>
+        <p:nvPicPr>
+          <p:cNvPr id="299" name="Google Shape;299;p16"/>
+          <p:cNvPicPr preferRelativeResize="0"/>
+          <p:nvPr/>
+        </p:nvPicPr>
+        <p:blipFill>
+          <a:blip r:embed="rId3">
+            <a:alphaModFix/>
+          </a:blip>
+          <a:stretch>
+            <a:fillRect/>
+          </a:stretch>
+        </p:blipFill>
+        <p:spPr>
+          <a:xfrm>
+            <a:off x="5731000" y="1334950"/>
+            <a:ext cx="2580250" cy="2580250"/>
+          </a:xfrm>
+          <a:prstGeom prst="rect">
+            <a:avLst/>
+          </a:prstGeom>
+          <a:noFill/>
+          <a:ln>
+            <a:noFill/>
+          </a:ln>
+        </p:spPr>
+      </p:pic>
+    </p:spTree>
+  </p:cSld>
+  <p:clrMapOvr>
+    <a:masterClrMapping/>
+  </p:clrMapOvr>
+</p:sld>
+</file>
+
+<file path=ppt/slides/slide5.xml><?xml version="1.0" encoding="utf-8"?>
+<p:sld xmlns:a="http://schemas.openxmlformats.org/drawingml/2006/main" xmlns:r="http://schemas.openxmlformats.org/officeDocument/2006/relationships" xmlns:mc="http://schemas.openxmlformats.org/markup-compatibility/2006" xmlns:mv="urn:schemas-microsoft-com:mac:vml" xmlns:p="http://schemas.openxmlformats.org/presentationml/2006/main" xmlns:c="http://schemas.openxmlformats.org/drawingml/2006/chart" xmlns:dgm="http://schemas.openxmlformats.org/drawingml/2006/diagram" xmlns:o="urn:schemas-microsoft-com:office:office" xmlns:v="urn:schemas-microsoft-com:vml" xmlns:pvml="urn:schemas-microsoft-com:office:powerpoint" xmlns:com="http://schemas.openxmlformats.org/drawingml/2006/compatibility" xmlns:p14="http://schemas.microsoft.com/office/powerpoint/2010/main" xmlns:p15="http://schemas.microsoft.com/office/powerpoint/2012/main" xmlns:ahyp="http://schemas.microsoft.com/office/drawing/2018/hyperlinkcolor">
+  <p:cSld>
+    <p:spTree>
+      <p:nvGrpSpPr>
+        <p:cNvPr id="303" name="Shape 303"/>
+        <p:cNvGrpSpPr/>
+        <p:nvPr/>
+      </p:nvGrpSpPr>
+      <p:grpSpPr>
+        <a:xfrm>
+          <a:off x="0" y="0"/>
+          <a:ext cx="0" cy="0"/>
+          <a:chOff x="0" y="0"/>
+          <a:chExt cx="0" cy="0"/>
+        </a:xfrm>
+      </p:grpSpPr>
+      <p:sp>
+        <p:nvSpPr>
+          <p:cNvPr id="304" name="Google Shape;304;p17"/>
+          <p:cNvSpPr txBox="1"/>
+          <p:nvPr>
+            <p:ph type="title"/>
+          </p:nvPr>
+        </p:nvSpPr>
+        <p:spPr>
+          <a:xfrm>
+            <a:off x="1303800" y="598575"/>
+            <a:ext cx="7030500" cy="999300"/>
           </a:xfrm>
           <a:prstGeom prst="rect">
             <a:avLst/>
@@ -15918,17 +16282,280 @@
                 <a:spcPts val="0"/>
               </a:spcBef>
               <a:spcAft>
-                <a:spcPts val="1200"/>
+                <a:spcPts val="0"/>
               </a:spcAft>
               <a:buNone/>
             </a:pPr>
             <a:r>
-              <a:t/>
+              <a:rPr lang="en" sz="3200"/>
+              <a:t>Exploratory Data Analysis</a:t>
             </a:r>
-            <a:endParaRPr/>
+            <a:endParaRPr sz="3200"/>
           </a:p>
         </p:txBody>
       </p:sp>
+      <p:sp>
+        <p:nvSpPr>
+          <p:cNvPr id="305" name="Google Shape;305;p17"/>
+          <p:cNvSpPr txBox="1"/>
+          <p:nvPr>
+            <p:ph idx="1" type="body"/>
+          </p:nvPr>
+        </p:nvSpPr>
+        <p:spPr>
+          <a:xfrm>
+            <a:off x="3904975" y="1473950"/>
+            <a:ext cx="4826100" cy="3057600"/>
+          </a:xfrm>
+          <a:prstGeom prst="rect">
+            <a:avLst/>
+          </a:prstGeom>
+        </p:spPr>
+        <p:txBody>
+          <a:bodyPr anchorCtr="0" anchor="t" bIns="91425" lIns="91425" spcFirstLastPara="1" rIns="91425" wrap="square" tIns="91425">
+            <a:noAutofit/>
+          </a:bodyPr>
+          <a:lstStyle/>
+          <a:p>
+            <a:pPr indent="0" lvl="0" marL="0" rtl="0" algn="just">
+              <a:spcBef>
+                <a:spcPts val="0"/>
+              </a:spcBef>
+              <a:spcAft>
+                <a:spcPts val="1200"/>
+              </a:spcAft>
+              <a:buNone/>
+            </a:pPr>
+            <a:r>
+              <a:rPr lang="en" sz="2100"/>
+              <a:t>Our group will perform exploratory data analysis using the parameters contained in the dataset. Specifically, we will use charts and graphs such as </a:t>
+            </a:r>
+            <a:r>
+              <a:rPr lang="en" sz="2100"/>
+              <a:t>boxplot </a:t>
+            </a:r>
+            <a:r>
+              <a:rPr lang="en" sz="2100"/>
+              <a:t>and pie charts to represent the </a:t>
+            </a:r>
+            <a:r>
+              <a:rPr lang="en" sz="2100"/>
+              <a:t>distribution</a:t>
+            </a:r>
+            <a:r>
+              <a:rPr lang="en" sz="2100"/>
+              <a:t> of customers using different parameters. </a:t>
+            </a:r>
+            <a:endParaRPr sz="2100"/>
+          </a:p>
+        </p:txBody>
+      </p:sp>
+      <p:pic>
+        <p:nvPicPr>
+          <p:cNvPr id="306" name="Google Shape;306;p17"/>
+          <p:cNvPicPr preferRelativeResize="0"/>
+          <p:nvPr/>
+        </p:nvPicPr>
+        <p:blipFill>
+          <a:blip r:embed="rId3">
+            <a:alphaModFix/>
+          </a:blip>
+          <a:stretch>
+            <a:fillRect/>
+          </a:stretch>
+        </p:blipFill>
+        <p:spPr>
+          <a:xfrm>
+            <a:off x="505525" y="1827100"/>
+            <a:ext cx="3239349" cy="1792450"/>
+          </a:xfrm>
+          <a:prstGeom prst="rect">
+            <a:avLst/>
+          </a:prstGeom>
+          <a:noFill/>
+          <a:ln>
+            <a:noFill/>
+          </a:ln>
+        </p:spPr>
+      </p:pic>
+    </p:spTree>
+  </p:cSld>
+  <p:clrMapOvr>
+    <a:masterClrMapping/>
+  </p:clrMapOvr>
+</p:sld>
+</file>
+
+<file path=ppt/slides/slide6.xml><?xml version="1.0" encoding="utf-8"?>
+<p:sld xmlns:a="http://schemas.openxmlformats.org/drawingml/2006/main" xmlns:r="http://schemas.openxmlformats.org/officeDocument/2006/relationships" xmlns:mc="http://schemas.openxmlformats.org/markup-compatibility/2006" xmlns:mv="urn:schemas-microsoft-com:mac:vml" xmlns:p="http://schemas.openxmlformats.org/presentationml/2006/main" xmlns:c="http://schemas.openxmlformats.org/drawingml/2006/chart" xmlns:dgm="http://schemas.openxmlformats.org/drawingml/2006/diagram" xmlns:o="urn:schemas-microsoft-com:office:office" xmlns:v="urn:schemas-microsoft-com:vml" xmlns:pvml="urn:schemas-microsoft-com:office:powerpoint" xmlns:com="http://schemas.openxmlformats.org/drawingml/2006/compatibility" xmlns:p14="http://schemas.microsoft.com/office/powerpoint/2010/main" xmlns:p15="http://schemas.microsoft.com/office/powerpoint/2012/main" xmlns:ahyp="http://schemas.microsoft.com/office/drawing/2018/hyperlinkcolor">
+  <p:cSld>
+    <p:spTree>
+      <p:nvGrpSpPr>
+        <p:cNvPr id="310" name="Shape 310"/>
+        <p:cNvGrpSpPr/>
+        <p:nvPr/>
+      </p:nvGrpSpPr>
+      <p:grpSpPr>
+        <a:xfrm>
+          <a:off x="0" y="0"/>
+          <a:ext cx="0" cy="0"/>
+          <a:chOff x="0" y="0"/>
+          <a:chExt cx="0" cy="0"/>
+        </a:xfrm>
+      </p:grpSpPr>
+      <p:sp>
+        <p:nvSpPr>
+          <p:cNvPr id="311" name="Google Shape;311;p18"/>
+          <p:cNvSpPr txBox="1"/>
+          <p:nvPr>
+            <p:ph type="title"/>
+          </p:nvPr>
+        </p:nvSpPr>
+        <p:spPr>
+          <a:xfrm>
+            <a:off x="1303800" y="409200"/>
+            <a:ext cx="7030500" cy="999300"/>
+          </a:xfrm>
+          <a:prstGeom prst="rect">
+            <a:avLst/>
+          </a:prstGeom>
+        </p:spPr>
+        <p:txBody>
+          <a:bodyPr anchorCtr="0" anchor="t" bIns="91425" lIns="91425" spcFirstLastPara="1" rIns="91425" wrap="square" tIns="91425">
+            <a:noAutofit/>
+          </a:bodyPr>
+          <a:lstStyle/>
+          <a:p>
+            <a:pPr indent="0" lvl="0" marL="0" rtl="0" algn="ctr">
+              <a:spcBef>
+                <a:spcPts val="0"/>
+              </a:spcBef>
+              <a:spcAft>
+                <a:spcPts val="0"/>
+              </a:spcAft>
+              <a:buSzPts val="990"/>
+              <a:buNone/>
+            </a:pPr>
+            <a:r>
+              <a:rPr lang="en" sz="2920"/>
+              <a:t>Analysis using Supervised </a:t>
+            </a:r>
+            <a:endParaRPr sz="2920"/>
+          </a:p>
+          <a:p>
+            <a:pPr indent="0" lvl="0" marL="0" rtl="0" algn="ctr">
+              <a:spcBef>
+                <a:spcPts val="0"/>
+              </a:spcBef>
+              <a:spcAft>
+                <a:spcPts val="0"/>
+              </a:spcAft>
+              <a:buSzPts val="990"/>
+              <a:buNone/>
+            </a:pPr>
+            <a:r>
+              <a:rPr lang="en" sz="2920"/>
+              <a:t>Machine Learning</a:t>
+            </a:r>
+            <a:endParaRPr sz="2920"/>
+          </a:p>
+        </p:txBody>
+      </p:sp>
+      <p:sp>
+        <p:nvSpPr>
+          <p:cNvPr id="312" name="Google Shape;312;p18"/>
+          <p:cNvSpPr txBox="1"/>
+          <p:nvPr>
+            <p:ph idx="1" type="body"/>
+          </p:nvPr>
+        </p:nvSpPr>
+        <p:spPr>
+          <a:xfrm>
+            <a:off x="991625" y="1718800"/>
+            <a:ext cx="4443600" cy="2866800"/>
+          </a:xfrm>
+          <a:prstGeom prst="rect">
+            <a:avLst/>
+          </a:prstGeom>
+        </p:spPr>
+        <p:txBody>
+          <a:bodyPr anchorCtr="0" anchor="t" bIns="91425" lIns="91425" spcFirstLastPara="1" rIns="91425" wrap="square" tIns="91425">
+            <a:normAutofit/>
+          </a:bodyPr>
+          <a:lstStyle/>
+          <a:p>
+            <a:pPr indent="0" lvl="0" marL="0" rtl="0" algn="just">
+              <a:spcBef>
+                <a:spcPts val="0"/>
+              </a:spcBef>
+              <a:spcAft>
+                <a:spcPts val="1200"/>
+              </a:spcAft>
+              <a:buNone/>
+            </a:pPr>
+            <a:r>
+              <a:rPr lang="en" sz="1700"/>
+              <a:t>The </a:t>
+            </a:r>
+            <a:r>
+              <a:rPr lang="en" sz="1700"/>
+              <a:t>analysis</a:t>
+            </a:r>
+            <a:r>
+              <a:rPr lang="en" sz="1700"/>
+              <a:t> phase of this project will </a:t>
+            </a:r>
+            <a:r>
+              <a:rPr lang="en" sz="1700"/>
+              <a:t>involve supervised machine learning. We will use two supervised machine learning models, Logistic Regression and </a:t>
+            </a:r>
+            <a:r>
+              <a:rPr lang="en" sz="1700">
+                <a:solidFill>
+                  <a:srgbClr val="2B2B2B"/>
+                </a:solidFill>
+              </a:rPr>
+              <a:t>synthetic minority oversampling technique (SMOTE), to predict churn rate and customers who are likely to churn. </a:t>
+            </a:r>
+            <a:endParaRPr sz="1700"/>
+          </a:p>
+        </p:txBody>
+      </p:sp>
+      <p:pic>
+        <p:nvPicPr>
+          <p:cNvPr id="313" name="Google Shape;313;p18"/>
+          <p:cNvPicPr preferRelativeResize="0"/>
+          <p:nvPr/>
+        </p:nvPicPr>
+        <p:blipFill>
+          <a:blip r:embed="rId3">
+            <a:alphaModFix/>
+          </a:blip>
+          <a:stretch>
+            <a:fillRect/>
+          </a:stretch>
+        </p:blipFill>
+        <p:spPr>
+          <a:xfrm>
+            <a:off x="5863325" y="2057375"/>
+            <a:ext cx="2604049" cy="1668450"/>
+          </a:xfrm>
+          <a:prstGeom prst="rect">
+            <a:avLst/>
+          </a:prstGeom>
+          <a:noFill/>
+          <a:ln>
+            <a:noFill/>
+          </a:ln>
+          <a:effectLst>
+            <a:outerShdw blurRad="57150" rotWithShape="0" algn="bl" dir="5400000" dist="19050">
+              <a:srgbClr val="000000">
+                <a:alpha val="50000"/>
+              </a:srgbClr>
+            </a:outerShdw>
+          </a:effectLst>
+        </p:spPr>
+      </p:pic>
     </p:spTree>
   </p:cSld>
   <p:clrMapOvr>

--- a/Project Presentation.pptx
+++ b/Project Presentation.pptx
@@ -14,21 +14,29 @@
     <p:sldId id="259" r:id="rId9"/>
     <p:sldId id="260" r:id="rId10"/>
     <p:sldId id="261" r:id="rId11"/>
+    <p:sldId id="262" r:id="rId12"/>
+    <p:sldId id="263" r:id="rId13"/>
+    <p:sldId id="264" r:id="rId14"/>
   </p:sldIdLst>
   <p:sldSz cy="5143500" cx="9144000"/>
   <p:notesSz cx="6858000" cy="9144000"/>
   <p:embeddedFontLst>
     <p:embeddedFont>
       <p:font typeface="Nunito"/>
-      <p:regular r:id="rId12"/>
-      <p:bold r:id="rId13"/>
-      <p:italic r:id="rId14"/>
-      <p:boldItalic r:id="rId15"/>
+      <p:regular r:id="rId15"/>
+      <p:bold r:id="rId16"/>
+      <p:italic r:id="rId17"/>
+      <p:boldItalic r:id="rId18"/>
     </p:embeddedFont>
     <p:embeddedFont>
       <p:font typeface="Maven Pro"/>
-      <p:regular r:id="rId16"/>
-      <p:bold r:id="rId17"/>
+      <p:regular r:id="rId19"/>
+      <p:bold r:id="rId20"/>
+    </p:embeddedFont>
+    <p:embeddedFont>
+      <p:font typeface="Nunito ExtraBold"/>
+      <p:bold r:id="rId21"/>
+      <p:boldItalic r:id="rId22"/>
     </p:embeddedFont>
   </p:embeddedFontLst>
   <p:defaultTextStyle>
@@ -1256,6 +1264,303 @@
       <p:sp>
         <p:nvSpPr>
           <p:cNvPr id="309" name="Google Shape;309;g12f6fa2448b_1_27:notes"/>
+          <p:cNvSpPr txBox="1"/>
+          <p:nvPr>
+            <p:ph idx="1" type="body"/>
+          </p:nvPr>
+        </p:nvSpPr>
+        <p:spPr>
+          <a:xfrm>
+            <a:off x="685800" y="4343400"/>
+            <a:ext cx="5486400" cy="4114800"/>
+          </a:xfrm>
+          <a:prstGeom prst="rect">
+            <a:avLst/>
+          </a:prstGeom>
+        </p:spPr>
+        <p:txBody>
+          <a:bodyPr anchorCtr="0" anchor="t" bIns="91425" lIns="91425" spcFirstLastPara="1" rIns="91425" wrap="square" tIns="91425">
+            <a:noAutofit/>
+          </a:bodyPr>
+          <a:lstStyle/>
+          <a:p>
+            <a:pPr indent="0" lvl="0" marL="0" rtl="0" algn="l">
+              <a:spcBef>
+                <a:spcPts val="0"/>
+              </a:spcBef>
+              <a:spcAft>
+                <a:spcPts val="0"/>
+              </a:spcAft>
+              <a:buNone/>
+            </a:pPr>
+            <a:r>
+              <a:t/>
+            </a:r>
+            <a:endParaRPr/>
+          </a:p>
+        </p:txBody>
+      </p:sp>
+    </p:spTree>
+  </p:cSld>
+  <p:clrMapOvr>
+    <a:masterClrMapping/>
+  </p:clrMapOvr>
+</p:notes>
+</file>
+
+<file path=ppt/notesSlides/notesSlide7.xml><?xml version="1.0" encoding="utf-8"?>
+<p:notes xmlns:a="http://schemas.openxmlformats.org/drawingml/2006/main" xmlns:r="http://schemas.openxmlformats.org/officeDocument/2006/relationships" xmlns:mc="http://schemas.openxmlformats.org/markup-compatibility/2006" xmlns:mv="urn:schemas-microsoft-com:mac:vml" xmlns:p="http://schemas.openxmlformats.org/presentationml/2006/main" xmlns:c="http://schemas.openxmlformats.org/drawingml/2006/chart" xmlns:dgm="http://schemas.openxmlformats.org/drawingml/2006/diagram" xmlns:o="urn:schemas-microsoft-com:office:office" xmlns:v="urn:schemas-microsoft-com:vml" xmlns:pvml="urn:schemas-microsoft-com:office:powerpoint" xmlns:com="http://schemas.openxmlformats.org/drawingml/2006/compatibility" xmlns:p14="http://schemas.microsoft.com/office/powerpoint/2010/main" xmlns:p15="http://schemas.microsoft.com/office/powerpoint/2012/main" xmlns:ahyp="http://schemas.microsoft.com/office/drawing/2018/hyperlinkcolor" showMasterPhAnim="0" showMasterSp="0">
+  <p:cSld>
+    <p:spTree>
+      <p:nvGrpSpPr>
+        <p:cNvPr id="314" name="Shape 314"/>
+        <p:cNvGrpSpPr/>
+        <p:nvPr/>
+      </p:nvGrpSpPr>
+      <p:grpSpPr>
+        <a:xfrm>
+          <a:off x="0" y="0"/>
+          <a:ext cx="0" cy="0"/>
+          <a:chOff x="0" y="0"/>
+          <a:chExt cx="0" cy="0"/>
+        </a:xfrm>
+      </p:grpSpPr>
+      <p:sp>
+        <p:nvSpPr>
+          <p:cNvPr id="315" name="Google Shape;315;g13001c816fb_0_5:notes"/>
+          <p:cNvSpPr/>
+          <p:nvPr>
+            <p:ph idx="2" type="sldImg"/>
+          </p:nvPr>
+        </p:nvSpPr>
+        <p:spPr>
+          <a:xfrm>
+            <a:off x="381300" y="685800"/>
+            <a:ext cx="6096000" cy="3429000"/>
+          </a:xfrm>
+          <a:custGeom>
+            <a:rect b="b" l="l" r="r" t="t"/>
+            <a:pathLst>
+              <a:path extrusionOk="0" h="120000" w="120000">
+                <a:moveTo>
+                  <a:pt x="0" y="0"/>
+                </a:moveTo>
+                <a:lnTo>
+                  <a:pt x="120000" y="0"/>
+                </a:lnTo>
+                <a:lnTo>
+                  <a:pt x="120000" y="120000"/>
+                </a:lnTo>
+                <a:lnTo>
+                  <a:pt x="0" y="120000"/>
+                </a:lnTo>
+                <a:close/>
+              </a:path>
+            </a:pathLst>
+          </a:custGeom>
+        </p:spPr>
+      </p:sp>
+      <p:sp>
+        <p:nvSpPr>
+          <p:cNvPr id="316" name="Google Shape;316;g13001c816fb_0_5:notes"/>
+          <p:cNvSpPr txBox="1"/>
+          <p:nvPr>
+            <p:ph idx="1" type="body"/>
+          </p:nvPr>
+        </p:nvSpPr>
+        <p:spPr>
+          <a:xfrm>
+            <a:off x="685800" y="4343400"/>
+            <a:ext cx="5486400" cy="4114800"/>
+          </a:xfrm>
+          <a:prstGeom prst="rect">
+            <a:avLst/>
+          </a:prstGeom>
+        </p:spPr>
+        <p:txBody>
+          <a:bodyPr anchorCtr="0" anchor="t" bIns="91425" lIns="91425" spcFirstLastPara="1" rIns="91425" wrap="square" tIns="91425">
+            <a:noAutofit/>
+          </a:bodyPr>
+          <a:lstStyle/>
+          <a:p>
+            <a:pPr indent="0" lvl="0" marL="0" rtl="0" algn="l">
+              <a:spcBef>
+                <a:spcPts val="0"/>
+              </a:spcBef>
+              <a:spcAft>
+                <a:spcPts val="0"/>
+              </a:spcAft>
+              <a:buNone/>
+            </a:pPr>
+            <a:r>
+              <a:t/>
+            </a:r>
+            <a:endParaRPr/>
+          </a:p>
+        </p:txBody>
+      </p:sp>
+    </p:spTree>
+  </p:cSld>
+  <p:clrMapOvr>
+    <a:masterClrMapping/>
+  </p:clrMapOvr>
+</p:notes>
+</file>
+
+<file path=ppt/notesSlides/notesSlide8.xml><?xml version="1.0" encoding="utf-8"?>
+<p:notes xmlns:a="http://schemas.openxmlformats.org/drawingml/2006/main" xmlns:r="http://schemas.openxmlformats.org/officeDocument/2006/relationships" xmlns:mc="http://schemas.openxmlformats.org/markup-compatibility/2006" xmlns:mv="urn:schemas-microsoft-com:mac:vml" xmlns:p="http://schemas.openxmlformats.org/presentationml/2006/main" xmlns:c="http://schemas.openxmlformats.org/drawingml/2006/chart" xmlns:dgm="http://schemas.openxmlformats.org/drawingml/2006/diagram" xmlns:o="urn:schemas-microsoft-com:office:office" xmlns:v="urn:schemas-microsoft-com:vml" xmlns:pvml="urn:schemas-microsoft-com:office:powerpoint" xmlns:com="http://schemas.openxmlformats.org/drawingml/2006/compatibility" xmlns:p14="http://schemas.microsoft.com/office/powerpoint/2010/main" xmlns:p15="http://schemas.microsoft.com/office/powerpoint/2012/main" xmlns:ahyp="http://schemas.microsoft.com/office/drawing/2018/hyperlinkcolor" showMasterPhAnim="0" showMasterSp="0">
+  <p:cSld>
+    <p:spTree>
+      <p:nvGrpSpPr>
+        <p:cNvPr id="320" name="Shape 320"/>
+        <p:cNvGrpSpPr/>
+        <p:nvPr/>
+      </p:nvGrpSpPr>
+      <p:grpSpPr>
+        <a:xfrm>
+          <a:off x="0" y="0"/>
+          <a:ext cx="0" cy="0"/>
+          <a:chOff x="0" y="0"/>
+          <a:chExt cx="0" cy="0"/>
+        </a:xfrm>
+      </p:grpSpPr>
+      <p:sp>
+        <p:nvSpPr>
+          <p:cNvPr id="321" name="Google Shape;321;g13001c816fb_0_19:notes"/>
+          <p:cNvSpPr/>
+          <p:nvPr>
+            <p:ph idx="2" type="sldImg"/>
+          </p:nvPr>
+        </p:nvSpPr>
+        <p:spPr>
+          <a:xfrm>
+            <a:off x="381300" y="685800"/>
+            <a:ext cx="6096000" cy="3429000"/>
+          </a:xfrm>
+          <a:custGeom>
+            <a:rect b="b" l="l" r="r" t="t"/>
+            <a:pathLst>
+              <a:path extrusionOk="0" h="120000" w="120000">
+                <a:moveTo>
+                  <a:pt x="0" y="0"/>
+                </a:moveTo>
+                <a:lnTo>
+                  <a:pt x="120000" y="0"/>
+                </a:lnTo>
+                <a:lnTo>
+                  <a:pt x="120000" y="120000"/>
+                </a:lnTo>
+                <a:lnTo>
+                  <a:pt x="0" y="120000"/>
+                </a:lnTo>
+                <a:close/>
+              </a:path>
+            </a:pathLst>
+          </a:custGeom>
+        </p:spPr>
+      </p:sp>
+      <p:sp>
+        <p:nvSpPr>
+          <p:cNvPr id="322" name="Google Shape;322;g13001c816fb_0_19:notes"/>
+          <p:cNvSpPr txBox="1"/>
+          <p:nvPr>
+            <p:ph idx="1" type="body"/>
+          </p:nvPr>
+        </p:nvSpPr>
+        <p:spPr>
+          <a:xfrm>
+            <a:off x="685800" y="4343400"/>
+            <a:ext cx="5486400" cy="4114800"/>
+          </a:xfrm>
+          <a:prstGeom prst="rect">
+            <a:avLst/>
+          </a:prstGeom>
+        </p:spPr>
+        <p:txBody>
+          <a:bodyPr anchorCtr="0" anchor="t" bIns="91425" lIns="91425" spcFirstLastPara="1" rIns="91425" wrap="square" tIns="91425">
+            <a:noAutofit/>
+          </a:bodyPr>
+          <a:lstStyle/>
+          <a:p>
+            <a:pPr indent="0" lvl="0" marL="0" rtl="0" algn="l">
+              <a:spcBef>
+                <a:spcPts val="0"/>
+              </a:spcBef>
+              <a:spcAft>
+                <a:spcPts val="0"/>
+              </a:spcAft>
+              <a:buNone/>
+            </a:pPr>
+            <a:r>
+              <a:t/>
+            </a:r>
+            <a:endParaRPr/>
+          </a:p>
+        </p:txBody>
+      </p:sp>
+    </p:spTree>
+  </p:cSld>
+  <p:clrMapOvr>
+    <a:masterClrMapping/>
+  </p:clrMapOvr>
+</p:notes>
+</file>
+
+<file path=ppt/notesSlides/notesSlide9.xml><?xml version="1.0" encoding="utf-8"?>
+<p:notes xmlns:a="http://schemas.openxmlformats.org/drawingml/2006/main" xmlns:r="http://schemas.openxmlformats.org/officeDocument/2006/relationships" xmlns:mc="http://schemas.openxmlformats.org/markup-compatibility/2006" xmlns:mv="urn:schemas-microsoft-com:mac:vml" xmlns:p="http://schemas.openxmlformats.org/presentationml/2006/main" xmlns:c="http://schemas.openxmlformats.org/drawingml/2006/chart" xmlns:dgm="http://schemas.openxmlformats.org/drawingml/2006/diagram" xmlns:o="urn:schemas-microsoft-com:office:office" xmlns:v="urn:schemas-microsoft-com:vml" xmlns:pvml="urn:schemas-microsoft-com:office:powerpoint" xmlns:com="http://schemas.openxmlformats.org/drawingml/2006/compatibility" xmlns:p14="http://schemas.microsoft.com/office/powerpoint/2010/main" xmlns:p15="http://schemas.microsoft.com/office/powerpoint/2012/main" xmlns:ahyp="http://schemas.microsoft.com/office/drawing/2018/hyperlinkcolor" showMasterPhAnim="0" showMasterSp="0">
+  <p:cSld>
+    <p:spTree>
+      <p:nvGrpSpPr>
+        <p:cNvPr id="327" name="Shape 327"/>
+        <p:cNvGrpSpPr/>
+        <p:nvPr/>
+      </p:nvGrpSpPr>
+      <p:grpSpPr>
+        <a:xfrm>
+          <a:off x="0" y="0"/>
+          <a:ext cx="0" cy="0"/>
+          <a:chOff x="0" y="0"/>
+          <a:chExt cx="0" cy="0"/>
+        </a:xfrm>
+      </p:grpSpPr>
+      <p:sp>
+        <p:nvSpPr>
+          <p:cNvPr id="328" name="Google Shape;328;g13001c816fb_0_26:notes"/>
+          <p:cNvSpPr/>
+          <p:nvPr>
+            <p:ph idx="2" type="sldImg"/>
+          </p:nvPr>
+        </p:nvSpPr>
+        <p:spPr>
+          <a:xfrm>
+            <a:off x="381300" y="685800"/>
+            <a:ext cx="6096000" cy="3429000"/>
+          </a:xfrm>
+          <a:custGeom>
+            <a:rect b="b" l="l" r="r" t="t"/>
+            <a:pathLst>
+              <a:path extrusionOk="0" h="120000" w="120000">
+                <a:moveTo>
+                  <a:pt x="0" y="0"/>
+                </a:moveTo>
+                <a:lnTo>
+                  <a:pt x="120000" y="0"/>
+                </a:lnTo>
+                <a:lnTo>
+                  <a:pt x="120000" y="120000"/>
+                </a:lnTo>
+                <a:lnTo>
+                  <a:pt x="0" y="120000"/>
+                </a:lnTo>
+                <a:close/>
+              </a:path>
+            </a:pathLst>
+          </a:custGeom>
+        </p:spPr>
+      </p:sp>
+      <p:sp>
+        <p:nvSpPr>
+          <p:cNvPr id="329" name="Google Shape;329;g13001c816fb_0_26:notes"/>
           <p:cNvSpPr txBox="1"/>
           <p:nvPr>
             <p:ph idx="1" type="body"/>
@@ -16515,7 +16820,7 @@
                   <a:srgbClr val="2B2B2B"/>
                 </a:solidFill>
               </a:rPr>
-              <a:t>synthetic minority oversampling technique (SMOTE), to predict churn rate and customers who are likely to churn. </a:t>
+              <a:t>Random Oversampling, to predict churn rate and customers who are likely to churn. </a:t>
             </a:r>
             <a:endParaRPr sz="1700"/>
           </a:p>
@@ -16554,6 +16859,391 @@
               </a:srgbClr>
             </a:outerShdw>
           </a:effectLst>
+        </p:spPr>
+      </p:pic>
+    </p:spTree>
+  </p:cSld>
+  <p:clrMapOvr>
+    <a:masterClrMapping/>
+  </p:clrMapOvr>
+</p:sld>
+</file>
+
+<file path=ppt/slides/slide7.xml><?xml version="1.0" encoding="utf-8"?>
+<p:sld xmlns:a="http://schemas.openxmlformats.org/drawingml/2006/main" xmlns:r="http://schemas.openxmlformats.org/officeDocument/2006/relationships" xmlns:mc="http://schemas.openxmlformats.org/markup-compatibility/2006" xmlns:mv="urn:schemas-microsoft-com:mac:vml" xmlns:p="http://schemas.openxmlformats.org/presentationml/2006/main" xmlns:c="http://schemas.openxmlformats.org/drawingml/2006/chart" xmlns:dgm="http://schemas.openxmlformats.org/drawingml/2006/diagram" xmlns:o="urn:schemas-microsoft-com:office:office" xmlns:v="urn:schemas-microsoft-com:vml" xmlns:pvml="urn:schemas-microsoft-com:office:powerpoint" xmlns:com="http://schemas.openxmlformats.org/drawingml/2006/compatibility" xmlns:p14="http://schemas.microsoft.com/office/powerpoint/2010/main" xmlns:p15="http://schemas.microsoft.com/office/powerpoint/2012/main" xmlns:ahyp="http://schemas.microsoft.com/office/drawing/2018/hyperlinkcolor">
+  <p:cSld>
+    <p:spTree>
+      <p:nvGrpSpPr>
+        <p:cNvPr id="317" name="Shape 317"/>
+        <p:cNvGrpSpPr/>
+        <p:nvPr/>
+      </p:nvGrpSpPr>
+      <p:grpSpPr>
+        <a:xfrm>
+          <a:off x="0" y="0"/>
+          <a:ext cx="0" cy="0"/>
+          <a:chOff x="0" y="0"/>
+          <a:chExt cx="0" cy="0"/>
+        </a:xfrm>
+      </p:grpSpPr>
+      <p:sp>
+        <p:nvSpPr>
+          <p:cNvPr id="318" name="Google Shape;318;p19"/>
+          <p:cNvSpPr txBox="1"/>
+          <p:nvPr>
+            <p:ph type="title"/>
+          </p:nvPr>
+        </p:nvSpPr>
+        <p:spPr>
+          <a:xfrm>
+            <a:off x="1303800" y="598575"/>
+            <a:ext cx="7030500" cy="999300"/>
+          </a:xfrm>
+          <a:prstGeom prst="rect">
+            <a:avLst/>
+          </a:prstGeom>
+        </p:spPr>
+        <p:txBody>
+          <a:bodyPr anchorCtr="0" anchor="t" bIns="91425" lIns="91425" spcFirstLastPara="1" rIns="91425" wrap="square" tIns="91425">
+            <a:normAutofit/>
+          </a:bodyPr>
+          <a:lstStyle/>
+          <a:p>
+            <a:pPr indent="0" lvl="0" marL="0" rtl="0" algn="ctr">
+              <a:spcBef>
+                <a:spcPts val="0"/>
+              </a:spcBef>
+              <a:spcAft>
+                <a:spcPts val="0"/>
+              </a:spcAft>
+              <a:buNone/>
+            </a:pPr>
+            <a:r>
+              <a:rPr b="0" lang="en" sz="4400">
+                <a:latin typeface="Nunito ExtraBold"/>
+                <a:ea typeface="Nunito ExtraBold"/>
+                <a:cs typeface="Nunito ExtraBold"/>
+                <a:sym typeface="Nunito ExtraBold"/>
+              </a:rPr>
+              <a:t>Project Dashboard</a:t>
+            </a:r>
+            <a:endParaRPr b="0" sz="4400">
+              <a:latin typeface="Nunito ExtraBold"/>
+              <a:ea typeface="Nunito ExtraBold"/>
+              <a:cs typeface="Nunito ExtraBold"/>
+              <a:sym typeface="Nunito ExtraBold"/>
+            </a:endParaRPr>
+          </a:p>
+        </p:txBody>
+      </p:sp>
+      <p:pic>
+        <p:nvPicPr>
+          <p:cNvPr id="319" name="Google Shape;319;p19"/>
+          <p:cNvPicPr preferRelativeResize="0"/>
+          <p:nvPr/>
+        </p:nvPicPr>
+        <p:blipFill>
+          <a:blip r:embed="rId3">
+            <a:alphaModFix/>
+          </a:blip>
+          <a:stretch>
+            <a:fillRect/>
+          </a:stretch>
+        </p:blipFill>
+        <p:spPr>
+          <a:xfrm>
+            <a:off x="2880975" y="1642500"/>
+            <a:ext cx="2901875" cy="2901875"/>
+          </a:xfrm>
+          <a:prstGeom prst="rect">
+            <a:avLst/>
+          </a:prstGeom>
+          <a:noFill/>
+          <a:ln>
+            <a:noFill/>
+          </a:ln>
+        </p:spPr>
+      </p:pic>
+    </p:spTree>
+  </p:cSld>
+  <p:clrMapOvr>
+    <a:masterClrMapping/>
+  </p:clrMapOvr>
+</p:sld>
+</file>
+
+<file path=ppt/slides/slide8.xml><?xml version="1.0" encoding="utf-8"?>
+<p:sld xmlns:a="http://schemas.openxmlformats.org/drawingml/2006/main" xmlns:r="http://schemas.openxmlformats.org/officeDocument/2006/relationships" xmlns:mc="http://schemas.openxmlformats.org/markup-compatibility/2006" xmlns:mv="urn:schemas-microsoft-com:mac:vml" xmlns:p="http://schemas.openxmlformats.org/presentationml/2006/main" xmlns:c="http://schemas.openxmlformats.org/drawingml/2006/chart" xmlns:dgm="http://schemas.openxmlformats.org/drawingml/2006/diagram" xmlns:o="urn:schemas-microsoft-com:office:office" xmlns:v="urn:schemas-microsoft-com:vml" xmlns:pvml="urn:schemas-microsoft-com:office:powerpoint" xmlns:com="http://schemas.openxmlformats.org/drawingml/2006/compatibility" xmlns:p14="http://schemas.microsoft.com/office/powerpoint/2010/main" xmlns:p15="http://schemas.microsoft.com/office/powerpoint/2012/main" xmlns:ahyp="http://schemas.microsoft.com/office/drawing/2018/hyperlinkcolor">
+  <p:cSld>
+    <p:spTree>
+      <p:nvGrpSpPr>
+        <p:cNvPr id="323" name="Shape 323"/>
+        <p:cNvGrpSpPr/>
+        <p:nvPr/>
+      </p:nvGrpSpPr>
+      <p:grpSpPr>
+        <a:xfrm>
+          <a:off x="0" y="0"/>
+          <a:ext cx="0" cy="0"/>
+          <a:chOff x="0" y="0"/>
+          <a:chExt cx="0" cy="0"/>
+        </a:xfrm>
+      </p:grpSpPr>
+      <p:sp>
+        <p:nvSpPr>
+          <p:cNvPr id="324" name="Google Shape;324;p20"/>
+          <p:cNvSpPr txBox="1"/>
+          <p:nvPr>
+            <p:ph type="title"/>
+          </p:nvPr>
+        </p:nvSpPr>
+        <p:spPr>
+          <a:xfrm>
+            <a:off x="1303800" y="598575"/>
+            <a:ext cx="7030500" cy="999300"/>
+          </a:xfrm>
+          <a:prstGeom prst="rect">
+            <a:avLst/>
+          </a:prstGeom>
+        </p:spPr>
+        <p:txBody>
+          <a:bodyPr anchorCtr="0" anchor="t" bIns="91425" lIns="91425" spcFirstLastPara="1" rIns="91425" wrap="square" tIns="91425">
+            <a:normAutofit/>
+          </a:bodyPr>
+          <a:lstStyle/>
+          <a:p>
+            <a:pPr indent="0" lvl="0" marL="0" rtl="0" algn="l">
+              <a:spcBef>
+                <a:spcPts val="0"/>
+              </a:spcBef>
+              <a:spcAft>
+                <a:spcPts val="0"/>
+              </a:spcAft>
+              <a:buNone/>
+            </a:pPr>
+            <a:r>
+              <a:rPr lang="en" sz="3800"/>
+              <a:t>Tableau for Visualization</a:t>
+            </a:r>
+            <a:endParaRPr sz="3800"/>
+          </a:p>
+        </p:txBody>
+      </p:sp>
+      <p:sp>
+        <p:nvSpPr>
+          <p:cNvPr id="325" name="Google Shape;325;p20"/>
+          <p:cNvSpPr txBox="1"/>
+          <p:nvPr>
+            <p:ph idx="1" type="body"/>
+          </p:nvPr>
+        </p:nvSpPr>
+        <p:spPr>
+          <a:xfrm>
+            <a:off x="3778675" y="1450925"/>
+            <a:ext cx="4555500" cy="3153900"/>
+          </a:xfrm>
+          <a:prstGeom prst="rect">
+            <a:avLst/>
+          </a:prstGeom>
+        </p:spPr>
+        <p:txBody>
+          <a:bodyPr anchorCtr="0" anchor="t" bIns="91425" lIns="91425" spcFirstLastPara="1" rIns="91425" wrap="square" tIns="91425">
+            <a:noAutofit/>
+          </a:bodyPr>
+          <a:lstStyle/>
+          <a:p>
+            <a:pPr indent="0" lvl="0" marL="0" rtl="0" algn="just">
+              <a:spcBef>
+                <a:spcPts val="0"/>
+              </a:spcBef>
+              <a:spcAft>
+                <a:spcPts val="1200"/>
+              </a:spcAft>
+              <a:buNone/>
+            </a:pPr>
+            <a:r>
+              <a:rPr lang="en" sz="2200"/>
+              <a:t>The visualization piece of the project will use Tableau to create the final </a:t>
+            </a:r>
+            <a:r>
+              <a:rPr lang="en" sz="2200"/>
+              <a:t>dashboard</a:t>
+            </a:r>
+            <a:r>
+              <a:rPr lang="en" sz="2200"/>
+              <a:t>. The exploratory data analysis as well as the findings of machine learning analysis will be presented in various forms of simple and interactive graphs, </a:t>
+            </a:r>
+            <a:endParaRPr sz="2200"/>
+          </a:p>
+        </p:txBody>
+      </p:sp>
+      <p:pic>
+        <p:nvPicPr>
+          <p:cNvPr id="326" name="Google Shape;326;p20"/>
+          <p:cNvPicPr preferRelativeResize="0"/>
+          <p:nvPr/>
+        </p:nvPicPr>
+        <p:blipFill>
+          <a:blip r:embed="rId3">
+            <a:alphaModFix/>
+          </a:blip>
+          <a:stretch>
+            <a:fillRect/>
+          </a:stretch>
+        </p:blipFill>
+        <p:spPr>
+          <a:xfrm>
+            <a:off x="225450" y="1844225"/>
+            <a:ext cx="3309174" cy="1861399"/>
+          </a:xfrm>
+          <a:prstGeom prst="rect">
+            <a:avLst/>
+          </a:prstGeom>
+          <a:noFill/>
+          <a:ln>
+            <a:noFill/>
+          </a:ln>
+        </p:spPr>
+      </p:pic>
+    </p:spTree>
+  </p:cSld>
+  <p:clrMapOvr>
+    <a:masterClrMapping/>
+  </p:clrMapOvr>
+</p:sld>
+</file>
+
+<file path=ppt/slides/slide9.xml><?xml version="1.0" encoding="utf-8"?>
+<p:sld xmlns:a="http://schemas.openxmlformats.org/drawingml/2006/main" xmlns:r="http://schemas.openxmlformats.org/officeDocument/2006/relationships" xmlns:mc="http://schemas.openxmlformats.org/markup-compatibility/2006" xmlns:mv="urn:schemas-microsoft-com:mac:vml" xmlns:p="http://schemas.openxmlformats.org/presentationml/2006/main" xmlns:c="http://schemas.openxmlformats.org/drawingml/2006/chart" xmlns:dgm="http://schemas.openxmlformats.org/drawingml/2006/diagram" xmlns:o="urn:schemas-microsoft-com:office:office" xmlns:v="urn:schemas-microsoft-com:vml" xmlns:pvml="urn:schemas-microsoft-com:office:powerpoint" xmlns:com="http://schemas.openxmlformats.org/drawingml/2006/compatibility" xmlns:p14="http://schemas.microsoft.com/office/powerpoint/2010/main" xmlns:p15="http://schemas.microsoft.com/office/powerpoint/2012/main" xmlns:ahyp="http://schemas.microsoft.com/office/drawing/2018/hyperlinkcolor">
+  <p:cSld>
+    <p:spTree>
+      <p:nvGrpSpPr>
+        <p:cNvPr id="330" name="Shape 330"/>
+        <p:cNvGrpSpPr/>
+        <p:nvPr/>
+      </p:nvGrpSpPr>
+      <p:grpSpPr>
+        <a:xfrm>
+          <a:off x="0" y="0"/>
+          <a:ext cx="0" cy="0"/>
+          <a:chOff x="0" y="0"/>
+          <a:chExt cx="0" cy="0"/>
+        </a:xfrm>
+      </p:grpSpPr>
+      <p:sp>
+        <p:nvSpPr>
+          <p:cNvPr id="331" name="Google Shape;331;p21"/>
+          <p:cNvSpPr txBox="1"/>
+          <p:nvPr>
+            <p:ph type="title"/>
+          </p:nvPr>
+        </p:nvSpPr>
+        <p:spPr>
+          <a:xfrm>
+            <a:off x="1303800" y="598575"/>
+            <a:ext cx="7030500" cy="999300"/>
+          </a:xfrm>
+          <a:prstGeom prst="rect">
+            <a:avLst/>
+          </a:prstGeom>
+        </p:spPr>
+        <p:txBody>
+          <a:bodyPr anchorCtr="0" anchor="t" bIns="91425" lIns="91425" spcFirstLastPara="1" rIns="91425" wrap="square" tIns="91425">
+            <a:noAutofit/>
+          </a:bodyPr>
+          <a:lstStyle/>
+          <a:p>
+            <a:pPr indent="0" lvl="0" marL="0" rtl="0" algn="ctr">
+              <a:spcBef>
+                <a:spcPts val="0"/>
+              </a:spcBef>
+              <a:spcAft>
+                <a:spcPts val="0"/>
+              </a:spcAft>
+              <a:buNone/>
+            </a:pPr>
+            <a:r>
+              <a:rPr lang="en" sz="3200"/>
+              <a:t>Interactive Element of the Dashboard</a:t>
+            </a:r>
+            <a:endParaRPr sz="3200"/>
+          </a:p>
+        </p:txBody>
+      </p:sp>
+      <p:sp>
+        <p:nvSpPr>
+          <p:cNvPr id="332" name="Google Shape;332;p21"/>
+          <p:cNvSpPr txBox="1"/>
+          <p:nvPr>
+            <p:ph idx="1" type="body"/>
+          </p:nvPr>
+        </p:nvSpPr>
+        <p:spPr>
+          <a:xfrm>
+            <a:off x="719250" y="1906525"/>
+            <a:ext cx="4301700" cy="2541600"/>
+          </a:xfrm>
+          <a:prstGeom prst="rect">
+            <a:avLst/>
+          </a:prstGeom>
+        </p:spPr>
+        <p:txBody>
+          <a:bodyPr anchorCtr="0" anchor="t" bIns="91425" lIns="91425" spcFirstLastPara="1" rIns="91425" wrap="square" tIns="91425">
+            <a:normAutofit fontScale="85000" lnSpcReduction="20000"/>
+          </a:bodyPr>
+          <a:lstStyle/>
+          <a:p>
+            <a:pPr indent="0" lvl="0" marL="0" rtl="0" algn="l">
+              <a:spcBef>
+                <a:spcPts val="0"/>
+              </a:spcBef>
+              <a:spcAft>
+                <a:spcPts val="1200"/>
+              </a:spcAft>
+              <a:buNone/>
+            </a:pPr>
+            <a:r>
+              <a:rPr b="1" lang="en" sz="3000"/>
+              <a:t>To make the presentation interactive, we will use </a:t>
+            </a:r>
+            <a:r>
+              <a:rPr b="1" lang="en" sz="3000"/>
+              <a:t>Tableau’s</a:t>
+            </a:r>
+            <a:r>
+              <a:rPr b="1" lang="en" sz="3000"/>
+              <a:t> story feature to create the story that we want to share about the dataset.</a:t>
+            </a:r>
+            <a:endParaRPr b="1" sz="3000"/>
+          </a:p>
+        </p:txBody>
+      </p:sp>
+      <p:pic>
+        <p:nvPicPr>
+          <p:cNvPr id="333" name="Google Shape;333;p21"/>
+          <p:cNvPicPr preferRelativeResize="0"/>
+          <p:nvPr/>
+        </p:nvPicPr>
+        <p:blipFill>
+          <a:blip r:embed="rId3">
+            <a:alphaModFix/>
+          </a:blip>
+          <a:stretch>
+            <a:fillRect/>
+          </a:stretch>
+        </p:blipFill>
+        <p:spPr>
+          <a:xfrm>
+            <a:off x="5156650" y="2025025"/>
+            <a:ext cx="2475475" cy="2475475"/>
+          </a:xfrm>
+          <a:prstGeom prst="rect">
+            <a:avLst/>
+          </a:prstGeom>
+          <a:noFill/>
+          <a:ln>
+            <a:noFill/>
+          </a:ln>
         </p:spPr>
       </p:pic>
     </p:spTree>
